--- a/docs/khem-diagrams.pptx
+++ b/docs/khem-diagrams.pptx
@@ -3321,6 +3321,474 @@
           <a:chExt cx="0" cy="0"/>
         </a:xfrm>
       </p:grpSpPr>
+      <p:sp>
+        <p:nvSpPr>
+          <p:cNvPr id="4" name="Rectangle 3">
+            <a:extLst>
+              <a:ext uri="{FF2B5EF4-FFF2-40B4-BE49-F238E27FC236}">
+                <a16:creationId xmlns:a16="http://schemas.microsoft.com/office/drawing/2014/main" id="{70C15152-E6CF-3B42-8C80-D0404E871DF3}"/>
+              </a:ext>
+            </a:extLst>
+          </p:cNvPr>
+          <p:cNvSpPr/>
+          <p:nvPr/>
+        </p:nvSpPr>
+        <p:spPr>
+          <a:xfrm>
+            <a:off x="2434975" y="1498599"/>
+            <a:ext cx="1654425" cy="402119"/>
+          </a:xfrm>
+          <a:prstGeom prst="rect">
+            <a:avLst/>
+          </a:prstGeom>
+          <a:solidFill>
+            <a:schemeClr val="accent6">
+              <a:lumMod val="60000"/>
+              <a:lumOff val="40000"/>
+            </a:schemeClr>
+          </a:solidFill>
+          <a:ln>
+            <a:noFill/>
+          </a:ln>
+        </p:spPr>
+        <p:style>
+          <a:lnRef idx="2">
+            <a:schemeClr val="accent1">
+              <a:shade val="50000"/>
+            </a:schemeClr>
+          </a:lnRef>
+          <a:fillRef idx="1">
+            <a:schemeClr val="accent1"/>
+          </a:fillRef>
+          <a:effectRef idx="0">
+            <a:schemeClr val="accent1"/>
+          </a:effectRef>
+          <a:fontRef idx="minor">
+            <a:schemeClr val="lt1"/>
+          </a:fontRef>
+        </p:style>
+        <p:txBody>
+          <a:bodyPr rtlCol="0" anchor="ctr"/>
+          <a:lstStyle/>
+          <a:p>
+            <a:pPr algn="ctr"/>
+            <a:r>
+              <a:rPr lang="en-US" sz="1400" dirty="0">
+                <a:latin typeface="Chalkduster" panose="03050602040202020205" pitchFamily="66" charset="77"/>
+              </a:rPr>
+              <a:t>Molecule</a:t>
+            </a:r>
+          </a:p>
+        </p:txBody>
+      </p:sp>
+      <p:sp>
+        <p:nvSpPr>
+          <p:cNvPr id="5" name="Rectangle 4">
+            <a:extLst>
+              <a:ext uri="{FF2B5EF4-FFF2-40B4-BE49-F238E27FC236}">
+                <a16:creationId xmlns:a16="http://schemas.microsoft.com/office/drawing/2014/main" id="{FDDA86AC-5ED9-FE43-A7CB-C81595332594}"/>
+              </a:ext>
+            </a:extLst>
+          </p:cNvPr>
+          <p:cNvSpPr/>
+          <p:nvPr/>
+        </p:nvSpPr>
+        <p:spPr>
+          <a:xfrm>
+            <a:off x="2434975" y="1900719"/>
+            <a:ext cx="1654425" cy="256854"/>
+          </a:xfrm>
+          <a:prstGeom prst="rect">
+            <a:avLst/>
+          </a:prstGeom>
+          <a:solidFill>
+            <a:schemeClr val="accent6">
+              <a:lumMod val="20000"/>
+              <a:lumOff val="80000"/>
+            </a:schemeClr>
+          </a:solidFill>
+          <a:ln>
+            <a:solidFill>
+              <a:schemeClr val="bg1"/>
+            </a:solidFill>
+          </a:ln>
+        </p:spPr>
+        <p:style>
+          <a:lnRef idx="2">
+            <a:schemeClr val="accent1">
+              <a:shade val="50000"/>
+            </a:schemeClr>
+          </a:lnRef>
+          <a:fillRef idx="1">
+            <a:schemeClr val="accent1"/>
+          </a:fillRef>
+          <a:effectRef idx="0">
+            <a:schemeClr val="accent1"/>
+          </a:effectRef>
+          <a:fontRef idx="minor">
+            <a:schemeClr val="lt1"/>
+          </a:fontRef>
+        </p:style>
+        <p:txBody>
+          <a:bodyPr rtlCol="0" anchor="ctr"/>
+          <a:lstStyle/>
+          <a:p>
+            <a:pPr algn="ctr"/>
+            <a:r>
+              <a:rPr lang="en-US" sz="1600" dirty="0">
+                <a:solidFill>
+                  <a:schemeClr val="bg1">
+                    <a:lumMod val="50000"/>
+                  </a:schemeClr>
+                </a:solidFill>
+                <a:latin typeface="Bradley Hand" pitchFamily="2" charset="77"/>
+                <a:cs typeface="Apple Chancery" panose="03020702040506060504" pitchFamily="66" charset="-79"/>
+              </a:rPr>
+              <a:t>smiles</a:t>
+            </a:r>
+          </a:p>
+        </p:txBody>
+      </p:sp>
+      <p:sp>
+        <p:nvSpPr>
+          <p:cNvPr id="6" name="Rectangle 5">
+            <a:extLst>
+              <a:ext uri="{FF2B5EF4-FFF2-40B4-BE49-F238E27FC236}">
+                <a16:creationId xmlns:a16="http://schemas.microsoft.com/office/drawing/2014/main" id="{20E645DA-C80D-E248-AB56-D94A15B037E7}"/>
+              </a:ext>
+            </a:extLst>
+          </p:cNvPr>
+          <p:cNvSpPr/>
+          <p:nvPr/>
+        </p:nvSpPr>
+        <p:spPr>
+          <a:xfrm>
+            <a:off x="2432337" y="2157360"/>
+            <a:ext cx="1654425" cy="256854"/>
+          </a:xfrm>
+          <a:prstGeom prst="rect">
+            <a:avLst/>
+          </a:prstGeom>
+          <a:solidFill>
+            <a:schemeClr val="accent6">
+              <a:lumMod val="20000"/>
+              <a:lumOff val="80000"/>
+            </a:schemeClr>
+          </a:solidFill>
+          <a:ln>
+            <a:solidFill>
+              <a:schemeClr val="bg1"/>
+            </a:solidFill>
+          </a:ln>
+        </p:spPr>
+        <p:style>
+          <a:lnRef idx="2">
+            <a:schemeClr val="accent1">
+              <a:shade val="50000"/>
+            </a:schemeClr>
+          </a:lnRef>
+          <a:fillRef idx="1">
+            <a:schemeClr val="accent1"/>
+          </a:fillRef>
+          <a:effectRef idx="0">
+            <a:schemeClr val="accent1"/>
+          </a:effectRef>
+          <a:fontRef idx="minor">
+            <a:schemeClr val="lt1"/>
+          </a:fontRef>
+        </p:style>
+        <p:txBody>
+          <a:bodyPr rtlCol="0" anchor="ctr"/>
+          <a:lstStyle/>
+          <a:p>
+            <a:pPr algn="ctr"/>
+            <a:r>
+              <a:rPr lang="en-US" sz="1600" dirty="0">
+                <a:solidFill>
+                  <a:schemeClr val="bg1">
+                    <a:lumMod val="50000"/>
+                  </a:schemeClr>
+                </a:solidFill>
+                <a:latin typeface="Bradley Hand" pitchFamily="2" charset="77"/>
+                <a:cs typeface="Apple Chancery" panose="03020702040506060504" pitchFamily="66" charset="-79"/>
+              </a:rPr>
+              <a:t>moleFile</a:t>
+            </a:r>
+          </a:p>
+        </p:txBody>
+      </p:sp>
+      <p:sp>
+        <p:nvSpPr>
+          <p:cNvPr id="7" name="Rectangle 6">
+            <a:extLst>
+              <a:ext uri="{FF2B5EF4-FFF2-40B4-BE49-F238E27FC236}">
+                <a16:creationId xmlns:a16="http://schemas.microsoft.com/office/drawing/2014/main" id="{CF608C99-E308-9A49-97E2-2BA142F6F735}"/>
+              </a:ext>
+            </a:extLst>
+          </p:cNvPr>
+          <p:cNvSpPr/>
+          <p:nvPr/>
+        </p:nvSpPr>
+        <p:spPr>
+          <a:xfrm>
+            <a:off x="2438687" y="2417710"/>
+            <a:ext cx="1654425" cy="256854"/>
+          </a:xfrm>
+          <a:prstGeom prst="rect">
+            <a:avLst/>
+          </a:prstGeom>
+          <a:solidFill>
+            <a:schemeClr val="accent6">
+              <a:lumMod val="20000"/>
+              <a:lumOff val="80000"/>
+            </a:schemeClr>
+          </a:solidFill>
+          <a:ln>
+            <a:solidFill>
+              <a:schemeClr val="bg1"/>
+            </a:solidFill>
+          </a:ln>
+        </p:spPr>
+        <p:style>
+          <a:lnRef idx="2">
+            <a:schemeClr val="accent1">
+              <a:shade val="50000"/>
+            </a:schemeClr>
+          </a:lnRef>
+          <a:fillRef idx="1">
+            <a:schemeClr val="accent1"/>
+          </a:fillRef>
+          <a:effectRef idx="0">
+            <a:schemeClr val="accent1"/>
+          </a:effectRef>
+          <a:fontRef idx="minor">
+            <a:schemeClr val="lt1"/>
+          </a:fontRef>
+        </p:style>
+        <p:txBody>
+          <a:bodyPr rtlCol="0" anchor="ctr"/>
+          <a:lstStyle/>
+          <a:p>
+            <a:pPr algn="ctr"/>
+            <a:r>
+              <a:rPr lang="en-US" sz="1600" dirty="0">
+                <a:solidFill>
+                  <a:schemeClr val="bg1">
+                    <a:lumMod val="50000"/>
+                  </a:schemeClr>
+                </a:solidFill>
+                <a:latin typeface="Bradley Hand" pitchFamily="2" charset="77"/>
+                <a:cs typeface="Apple Chancery" panose="03020702040506060504" pitchFamily="66" charset="-79"/>
+              </a:rPr>
+              <a:t>weight</a:t>
+            </a:r>
+          </a:p>
+        </p:txBody>
+      </p:sp>
+      <p:sp>
+        <p:nvSpPr>
+          <p:cNvPr id="8" name="Rectangle 7">
+            <a:extLst>
+              <a:ext uri="{FF2B5EF4-FFF2-40B4-BE49-F238E27FC236}">
+                <a16:creationId xmlns:a16="http://schemas.microsoft.com/office/drawing/2014/main" id="{FD5AAFCF-A741-3140-87B8-D62011DFCA98}"/>
+              </a:ext>
+            </a:extLst>
+          </p:cNvPr>
+          <p:cNvSpPr/>
+          <p:nvPr/>
+        </p:nvSpPr>
+        <p:spPr>
+          <a:xfrm>
+            <a:off x="2432336" y="2678060"/>
+            <a:ext cx="1654425" cy="256854"/>
+          </a:xfrm>
+          <a:prstGeom prst="rect">
+            <a:avLst/>
+          </a:prstGeom>
+          <a:solidFill>
+            <a:schemeClr val="accent6">
+              <a:lumMod val="20000"/>
+              <a:lumOff val="80000"/>
+            </a:schemeClr>
+          </a:solidFill>
+          <a:ln>
+            <a:solidFill>
+              <a:schemeClr val="bg1"/>
+            </a:solidFill>
+          </a:ln>
+        </p:spPr>
+        <p:style>
+          <a:lnRef idx="2">
+            <a:schemeClr val="accent1">
+              <a:shade val="50000"/>
+            </a:schemeClr>
+          </a:lnRef>
+          <a:fillRef idx="1">
+            <a:schemeClr val="accent1"/>
+          </a:fillRef>
+          <a:effectRef idx="0">
+            <a:schemeClr val="accent1"/>
+          </a:effectRef>
+          <a:fontRef idx="minor">
+            <a:schemeClr val="lt1"/>
+          </a:fontRef>
+        </p:style>
+        <p:txBody>
+          <a:bodyPr rtlCol="0" anchor="ctr"/>
+          <a:lstStyle/>
+          <a:p>
+            <a:pPr algn="ctr"/>
+            <a:r>
+              <a:rPr lang="en-US" sz="1600" dirty="0">
+                <a:solidFill>
+                  <a:schemeClr val="bg1">
+                    <a:lumMod val="50000"/>
+                  </a:schemeClr>
+                </a:solidFill>
+                <a:latin typeface="Bradley Hand" pitchFamily="2" charset="77"/>
+                <a:cs typeface="Apple Chancery" panose="03020702040506060504" pitchFamily="66" charset="-79"/>
+              </a:rPr>
+              <a:t>formula</a:t>
+            </a:r>
+          </a:p>
+        </p:txBody>
+      </p:sp>
+      <p:sp>
+        <p:nvSpPr>
+          <p:cNvPr id="9" name="Rectangle 8">
+            <a:extLst>
+              <a:ext uri="{FF2B5EF4-FFF2-40B4-BE49-F238E27FC236}">
+                <a16:creationId xmlns:a16="http://schemas.microsoft.com/office/drawing/2014/main" id="{EC1EB437-189A-1640-945E-577BE1B2C2E0}"/>
+              </a:ext>
+            </a:extLst>
+          </p:cNvPr>
+          <p:cNvSpPr/>
+          <p:nvPr/>
+        </p:nvSpPr>
+        <p:spPr>
+          <a:xfrm>
+            <a:off x="2438686" y="2941906"/>
+            <a:ext cx="1654425" cy="256854"/>
+          </a:xfrm>
+          <a:prstGeom prst="rect">
+            <a:avLst/>
+          </a:prstGeom>
+          <a:solidFill>
+            <a:schemeClr val="accent6">
+              <a:lumMod val="20000"/>
+              <a:lumOff val="80000"/>
+            </a:schemeClr>
+          </a:solidFill>
+          <a:ln>
+            <a:solidFill>
+              <a:schemeClr val="bg1"/>
+            </a:solidFill>
+          </a:ln>
+        </p:spPr>
+        <p:style>
+          <a:lnRef idx="2">
+            <a:schemeClr val="accent1">
+              <a:shade val="50000"/>
+            </a:schemeClr>
+          </a:lnRef>
+          <a:fillRef idx="1">
+            <a:schemeClr val="accent1"/>
+          </a:fillRef>
+          <a:effectRef idx="0">
+            <a:schemeClr val="accent1"/>
+          </a:effectRef>
+          <a:fontRef idx="minor">
+            <a:schemeClr val="lt1"/>
+          </a:fontRef>
+        </p:style>
+        <p:txBody>
+          <a:bodyPr rtlCol="0" anchor="ctr"/>
+          <a:lstStyle/>
+          <a:p>
+            <a:pPr algn="ctr"/>
+            <a:r>
+              <a:rPr lang="en-US" sz="1600" dirty="0">
+                <a:solidFill>
+                  <a:schemeClr val="bg1">
+                    <a:lumMod val="50000"/>
+                  </a:schemeClr>
+                </a:solidFill>
+                <a:latin typeface="Bradley Hand" pitchFamily="2" charset="77"/>
+                <a:cs typeface="Apple Chancery" panose="03020702040506060504" pitchFamily="66" charset="-79"/>
+              </a:rPr>
+              <a:t>source</a:t>
+            </a:r>
+          </a:p>
+        </p:txBody>
+      </p:sp>
+      <p:sp>
+        <p:nvSpPr>
+          <p:cNvPr id="10" name="Rectangle 9">
+            <a:extLst>
+              <a:ext uri="{FF2B5EF4-FFF2-40B4-BE49-F238E27FC236}">
+                <a16:creationId xmlns:a16="http://schemas.microsoft.com/office/drawing/2014/main" id="{07942940-BD63-FA45-9439-128B2ECC55D3}"/>
+              </a:ext>
+            </a:extLst>
+          </p:cNvPr>
+          <p:cNvSpPr/>
+          <p:nvPr/>
+        </p:nvSpPr>
+        <p:spPr>
+          <a:xfrm>
+            <a:off x="2432335" y="3209248"/>
+            <a:ext cx="1654425" cy="256854"/>
+          </a:xfrm>
+          <a:prstGeom prst="rect">
+            <a:avLst/>
+          </a:prstGeom>
+          <a:solidFill>
+            <a:schemeClr val="accent6">
+              <a:lumMod val="20000"/>
+              <a:lumOff val="80000"/>
+            </a:schemeClr>
+          </a:solidFill>
+          <a:ln>
+            <a:solidFill>
+              <a:schemeClr val="bg1"/>
+            </a:solidFill>
+          </a:ln>
+        </p:spPr>
+        <p:style>
+          <a:lnRef idx="2">
+            <a:schemeClr val="accent1">
+              <a:shade val="50000"/>
+            </a:schemeClr>
+          </a:lnRef>
+          <a:fillRef idx="1">
+            <a:schemeClr val="accent1"/>
+          </a:fillRef>
+          <a:effectRef idx="0">
+            <a:schemeClr val="accent1"/>
+          </a:effectRef>
+          <a:fontRef idx="minor">
+            <a:schemeClr val="lt1"/>
+          </a:fontRef>
+        </p:style>
+        <p:txBody>
+          <a:bodyPr rtlCol="0" anchor="ctr"/>
+          <a:lstStyle/>
+          <a:p>
+            <a:pPr algn="ctr"/>
+            <a:r>
+              <a:rPr lang="en-US" sz="1600" dirty="0">
+                <a:solidFill>
+                  <a:schemeClr val="bg1">
+                    <a:lumMod val="50000"/>
+                  </a:schemeClr>
+                </a:solidFill>
+                <a:latin typeface="Bradley Hand" pitchFamily="2" charset="77"/>
+                <a:cs typeface="Apple Chancery" panose="03020702040506060504" pitchFamily="66" charset="-79"/>
+              </a:rPr>
+              <a:t>name</a:t>
+            </a:r>
+          </a:p>
+        </p:txBody>
+      </p:sp>
     </p:spTree>
     <p:extLst>
       <p:ext uri="{BB962C8B-B14F-4D97-AF65-F5344CB8AC3E}">

--- a/docs/khem-diagrams.pptx
+++ b/docs/khem-diagrams.pptx
@@ -6,6 +6,7 @@
   </p:sldMasterIdLst>
   <p:sldIdLst>
     <p:sldId id="256" r:id="rId2"/>
+    <p:sldId id="257" r:id="rId3"/>
   </p:sldIdLst>
   <p:sldSz cx="12192000" cy="6858000"/>
   <p:notesSz cx="6858000" cy="9144000"/>
@@ -104,6 +105,11 @@
       </a:defRPr>
     </a:lvl9pPr>
   </p:defaultTextStyle>
+  <p:extLst>
+    <p:ext uri="{EFAFB233-063F-42B5-8137-9DF3F51BA10A}">
+      <p15:sldGuideLst xmlns:p15="http://schemas.microsoft.com/office/powerpoint/2012/main"/>
+    </p:ext>
+  </p:extLst>
 </p:presentation>
 </file>
 
@@ -3802,6 +3808,811 @@
 </p:sld>
 </file>
 
+<file path=ppt/slides/slide2.xml><?xml version="1.0" encoding="utf-8"?>
+<p:sld xmlns:a="http://schemas.openxmlformats.org/drawingml/2006/main" xmlns:r="http://schemas.openxmlformats.org/officeDocument/2006/relationships" xmlns:p="http://schemas.openxmlformats.org/presentationml/2006/main">
+  <p:cSld>
+    <p:spTree>
+      <p:nvGrpSpPr>
+        <p:cNvPr id="1" name=""/>
+        <p:cNvGrpSpPr/>
+        <p:nvPr/>
+      </p:nvGrpSpPr>
+      <p:grpSpPr>
+        <a:xfrm>
+          <a:off x="0" y="0"/>
+          <a:ext cx="0" cy="0"/>
+          <a:chOff x="0" y="0"/>
+          <a:chExt cx="0" cy="0"/>
+        </a:xfrm>
+      </p:grpSpPr>
+      <p:grpSp>
+        <p:nvGrpSpPr>
+          <p:cNvPr id="33" name="Group 32">
+            <a:extLst>
+              <a:ext uri="{FF2B5EF4-FFF2-40B4-BE49-F238E27FC236}">
+                <a16:creationId xmlns:a16="http://schemas.microsoft.com/office/drawing/2014/main" id="{8C702809-D04F-1E44-A768-9E08373FB411}"/>
+              </a:ext>
+            </a:extLst>
+          </p:cNvPr>
+          <p:cNvGrpSpPr/>
+          <p:nvPr/>
+        </p:nvGrpSpPr>
+        <p:grpSpPr>
+          <a:xfrm>
+            <a:off x="2283474" y="1319607"/>
+            <a:ext cx="5615640" cy="2335895"/>
+            <a:chOff x="2283474" y="1319607"/>
+            <a:chExt cx="5615640" cy="2335895"/>
+          </a:xfrm>
+        </p:grpSpPr>
+        <p:sp>
+          <p:nvSpPr>
+            <p:cNvPr id="13" name="Cloud 12">
+              <a:extLst>
+                <a:ext uri="{FF2B5EF4-FFF2-40B4-BE49-F238E27FC236}">
+                  <a16:creationId xmlns:a16="http://schemas.microsoft.com/office/drawing/2014/main" id="{BED0F2EE-168F-584E-8C19-B271BB4D162F}"/>
+                </a:ext>
+              </a:extLst>
+            </p:cNvPr>
+            <p:cNvSpPr/>
+            <p:nvPr/>
+          </p:nvSpPr>
+          <p:spPr>
+            <a:xfrm>
+              <a:off x="3773611" y="1374639"/>
+              <a:ext cx="3228652" cy="2280863"/>
+            </a:xfrm>
+            <a:prstGeom prst="cloud">
+              <a:avLst/>
+            </a:prstGeom>
+            <a:solidFill>
+              <a:schemeClr val="bg1">
+                <a:lumMod val="95000"/>
+                <a:alpha val="74000"/>
+              </a:schemeClr>
+            </a:solidFill>
+            <a:ln>
+              <a:noFill/>
+            </a:ln>
+          </p:spPr>
+          <p:style>
+            <a:lnRef idx="2">
+              <a:schemeClr val="accent1">
+                <a:shade val="50000"/>
+              </a:schemeClr>
+            </a:lnRef>
+            <a:fillRef idx="1">
+              <a:schemeClr val="accent1"/>
+            </a:fillRef>
+            <a:effectRef idx="0">
+              <a:schemeClr val="accent1"/>
+            </a:effectRef>
+            <a:fontRef idx="minor">
+              <a:schemeClr val="lt1"/>
+            </a:fontRef>
+          </p:style>
+          <p:txBody>
+            <a:bodyPr rtlCol="0" anchor="ctr"/>
+            <a:lstStyle/>
+            <a:p>
+              <a:pPr algn="ctr"/>
+              <a:endParaRPr lang="en-US" dirty="0"/>
+            </a:p>
+          </p:txBody>
+        </p:sp>
+        <p:sp>
+          <p:nvSpPr>
+            <p:cNvPr id="11" name="Oval 10">
+              <a:extLst>
+                <a:ext uri="{FF2B5EF4-FFF2-40B4-BE49-F238E27FC236}">
+                  <a16:creationId xmlns:a16="http://schemas.microsoft.com/office/drawing/2014/main" id="{A4B861BC-019A-4F42-A328-D1F57164AF01}"/>
+                </a:ext>
+              </a:extLst>
+            </p:cNvPr>
+            <p:cNvSpPr/>
+            <p:nvPr/>
+          </p:nvSpPr>
+          <p:spPr>
+            <a:xfrm>
+              <a:off x="5917057" y="2221402"/>
+              <a:ext cx="1491466" cy="1265434"/>
+            </a:xfrm>
+            <a:prstGeom prst="ellipse">
+              <a:avLst/>
+            </a:prstGeom>
+            <a:solidFill>
+              <a:schemeClr val="accent6">
+                <a:lumMod val="20000"/>
+                <a:lumOff val="80000"/>
+              </a:schemeClr>
+            </a:solidFill>
+            <a:ln>
+              <a:solidFill>
+                <a:schemeClr val="bg1"/>
+              </a:solidFill>
+            </a:ln>
+          </p:spPr>
+          <p:style>
+            <a:lnRef idx="2">
+              <a:schemeClr val="accent1">
+                <a:shade val="50000"/>
+              </a:schemeClr>
+            </a:lnRef>
+            <a:fillRef idx="1">
+              <a:schemeClr val="accent1"/>
+            </a:fillRef>
+            <a:effectRef idx="0">
+              <a:schemeClr val="accent1"/>
+            </a:effectRef>
+            <a:fontRef idx="minor">
+              <a:schemeClr val="lt1"/>
+            </a:fontRef>
+          </p:style>
+          <p:txBody>
+            <a:bodyPr rtlCol="0" anchor="ctr"/>
+            <a:lstStyle/>
+            <a:p>
+              <a:pPr algn="ctr"/>
+              <a:endParaRPr lang="en-US" sz="1200" dirty="0">
+                <a:solidFill>
+                  <a:schemeClr val="tx1">
+                    <a:lumMod val="50000"/>
+                    <a:lumOff val="50000"/>
+                  </a:schemeClr>
+                </a:solidFill>
+                <a:latin typeface="Chalkduster" panose="03050602040202020205" pitchFamily="66" charset="77"/>
+              </a:endParaRPr>
+            </a:p>
+          </p:txBody>
+        </p:sp>
+        <p:sp>
+          <p:nvSpPr>
+            <p:cNvPr id="9" name="Oval 8">
+              <a:extLst>
+                <a:ext uri="{FF2B5EF4-FFF2-40B4-BE49-F238E27FC236}">
+                  <a16:creationId xmlns:a16="http://schemas.microsoft.com/office/drawing/2014/main" id="{20646439-A731-C248-86A5-DB2BD69D59CC}"/>
+                </a:ext>
+              </a:extLst>
+            </p:cNvPr>
+            <p:cNvSpPr/>
+            <p:nvPr/>
+          </p:nvSpPr>
+          <p:spPr>
+            <a:xfrm>
+              <a:off x="5826301" y="2212839"/>
+              <a:ext cx="1491466" cy="1265434"/>
+            </a:xfrm>
+            <a:prstGeom prst="ellipse">
+              <a:avLst/>
+            </a:prstGeom>
+            <a:solidFill>
+              <a:schemeClr val="accent6">
+                <a:lumMod val="20000"/>
+                <a:lumOff val="80000"/>
+              </a:schemeClr>
+            </a:solidFill>
+            <a:ln>
+              <a:solidFill>
+                <a:schemeClr val="bg1"/>
+              </a:solidFill>
+            </a:ln>
+          </p:spPr>
+          <p:style>
+            <a:lnRef idx="2">
+              <a:schemeClr val="accent1">
+                <a:shade val="50000"/>
+              </a:schemeClr>
+            </a:lnRef>
+            <a:fillRef idx="1">
+              <a:schemeClr val="accent1"/>
+            </a:fillRef>
+            <a:effectRef idx="0">
+              <a:schemeClr val="accent1"/>
+            </a:effectRef>
+            <a:fontRef idx="minor">
+              <a:schemeClr val="lt1"/>
+            </a:fontRef>
+          </p:style>
+          <p:txBody>
+            <a:bodyPr rtlCol="0" anchor="ctr"/>
+            <a:lstStyle/>
+            <a:p>
+              <a:pPr algn="ctr"/>
+              <a:endParaRPr lang="en-US" sz="1200" dirty="0">
+                <a:solidFill>
+                  <a:schemeClr val="tx1">
+                    <a:lumMod val="50000"/>
+                    <a:lumOff val="50000"/>
+                  </a:schemeClr>
+                </a:solidFill>
+                <a:latin typeface="Chalkduster" panose="03050602040202020205" pitchFamily="66" charset="77"/>
+              </a:endParaRPr>
+            </a:p>
+          </p:txBody>
+        </p:sp>
+        <p:sp>
+          <p:nvSpPr>
+            <p:cNvPr id="2" name="Oval 1">
+              <a:extLst>
+                <a:ext uri="{FF2B5EF4-FFF2-40B4-BE49-F238E27FC236}">
+                  <a16:creationId xmlns:a16="http://schemas.microsoft.com/office/drawing/2014/main" id="{1BAA4AE2-2E21-C54C-BA7F-6186CC186E6C}"/>
+                </a:ext>
+              </a:extLst>
+            </p:cNvPr>
+            <p:cNvSpPr/>
+            <p:nvPr/>
+          </p:nvSpPr>
+          <p:spPr>
+            <a:xfrm>
+              <a:off x="4512872" y="1319607"/>
+              <a:ext cx="1263721" cy="874353"/>
+            </a:xfrm>
+            <a:prstGeom prst="ellipse">
+              <a:avLst/>
+            </a:prstGeom>
+            <a:solidFill>
+              <a:schemeClr val="accent6">
+                <a:lumMod val="60000"/>
+                <a:lumOff val="40000"/>
+              </a:schemeClr>
+            </a:solidFill>
+            <a:ln>
+              <a:noFill/>
+            </a:ln>
+          </p:spPr>
+          <p:style>
+            <a:lnRef idx="2">
+              <a:schemeClr val="accent1">
+                <a:shade val="50000"/>
+              </a:schemeClr>
+            </a:lnRef>
+            <a:fillRef idx="1">
+              <a:schemeClr val="accent1"/>
+            </a:fillRef>
+            <a:effectRef idx="0">
+              <a:schemeClr val="accent1"/>
+            </a:effectRef>
+            <a:fontRef idx="minor">
+              <a:schemeClr val="lt1"/>
+            </a:fontRef>
+          </p:style>
+          <p:txBody>
+            <a:bodyPr rtlCol="0" anchor="ctr"/>
+            <a:lstStyle/>
+            <a:p>
+              <a:pPr algn="ctr"/>
+              <a:r>
+                <a:rPr lang="en-US" sz="1200" dirty="0">
+                  <a:latin typeface="Chalkduster" panose="03050602040202020205" pitchFamily="66" charset="77"/>
+                </a:rPr>
+                <a:t>Locator</a:t>
+              </a:r>
+            </a:p>
+          </p:txBody>
+        </p:sp>
+        <p:grpSp>
+          <p:nvGrpSpPr>
+            <p:cNvPr id="5" name="Group 4">
+              <a:extLst>
+                <a:ext uri="{FF2B5EF4-FFF2-40B4-BE49-F238E27FC236}">
+                  <a16:creationId xmlns:a16="http://schemas.microsoft.com/office/drawing/2014/main" id="{BDCF1240-9A56-AF42-9F98-CA35E180EDB9}"/>
+                </a:ext>
+              </a:extLst>
+            </p:cNvPr>
+            <p:cNvGrpSpPr/>
+            <p:nvPr/>
+          </p:nvGrpSpPr>
+          <p:grpSpPr>
+            <a:xfrm>
+              <a:off x="2976080" y="2340795"/>
+              <a:ext cx="2993204" cy="1265434"/>
+              <a:chOff x="3490644" y="2443536"/>
+              <a:chExt cx="2993204" cy="1265434"/>
+            </a:xfrm>
+          </p:grpSpPr>
+          <p:sp>
+            <p:nvSpPr>
+              <p:cNvPr id="3" name="Oval 2">
+                <a:extLst>
+                  <a:ext uri="{FF2B5EF4-FFF2-40B4-BE49-F238E27FC236}">
+                    <a16:creationId xmlns:a16="http://schemas.microsoft.com/office/drawing/2014/main" id="{66B73BB9-5D2C-BC48-8F68-2D8F44D5386C}"/>
+                  </a:ext>
+                </a:extLst>
+              </p:cNvPr>
+              <p:cNvSpPr/>
+              <p:nvPr/>
+            </p:nvSpPr>
+            <p:spPr>
+              <a:xfrm>
+                <a:off x="4241513" y="2443536"/>
+                <a:ext cx="1491466" cy="1265434"/>
+              </a:xfrm>
+              <a:prstGeom prst="ellipse">
+                <a:avLst/>
+              </a:prstGeom>
+              <a:solidFill>
+                <a:schemeClr val="accent6">
+                  <a:lumMod val="20000"/>
+                  <a:lumOff val="80000"/>
+                </a:schemeClr>
+              </a:solidFill>
+              <a:ln>
+                <a:noFill/>
+              </a:ln>
+            </p:spPr>
+            <p:style>
+              <a:lnRef idx="2">
+                <a:schemeClr val="accent1">
+                  <a:shade val="50000"/>
+                </a:schemeClr>
+              </a:lnRef>
+              <a:fillRef idx="1">
+                <a:schemeClr val="accent1"/>
+              </a:fillRef>
+              <a:effectRef idx="0">
+                <a:schemeClr val="accent1"/>
+              </a:effectRef>
+              <a:fontRef idx="minor">
+                <a:schemeClr val="lt1"/>
+              </a:fontRef>
+            </p:style>
+            <p:txBody>
+              <a:bodyPr rtlCol="0" anchor="ctr"/>
+              <a:lstStyle/>
+              <a:p>
+                <a:pPr algn="ctr"/>
+                <a:endParaRPr lang="en-US" sz="1200" dirty="0">
+                  <a:solidFill>
+                    <a:schemeClr val="tx1">
+                      <a:lumMod val="50000"/>
+                      <a:lumOff val="50000"/>
+                    </a:schemeClr>
+                  </a:solidFill>
+                  <a:latin typeface="Chalkduster" panose="03050602040202020205" pitchFamily="66" charset="77"/>
+                </a:endParaRPr>
+              </a:p>
+            </p:txBody>
+          </p:sp>
+          <p:sp>
+            <p:nvSpPr>
+              <p:cNvPr id="4" name="Rectangle 3">
+                <a:extLst>
+                  <a:ext uri="{FF2B5EF4-FFF2-40B4-BE49-F238E27FC236}">
+                    <a16:creationId xmlns:a16="http://schemas.microsoft.com/office/drawing/2014/main" id="{33553B4B-9C93-B247-8E81-CC21C370FDEE}"/>
+                  </a:ext>
+                </a:extLst>
+              </p:cNvPr>
+              <p:cNvSpPr/>
+              <p:nvPr/>
+            </p:nvSpPr>
+            <p:spPr>
+              <a:xfrm>
+                <a:off x="3490644" y="2753088"/>
+                <a:ext cx="2993204" cy="646331"/>
+              </a:xfrm>
+              <a:prstGeom prst="rect">
+                <a:avLst/>
+              </a:prstGeom>
+            </p:spPr>
+            <p:txBody>
+              <a:bodyPr wrap="square">
+                <a:spAutoFit/>
+              </a:bodyPr>
+              <a:lstStyle/>
+              <a:p>
+                <a:pPr algn="ctr"/>
+                <a:r>
+                  <a:rPr lang="en-US" dirty="0">
+                    <a:solidFill>
+                      <a:schemeClr val="tx1">
+                        <a:lumMod val="50000"/>
+                        <a:lumOff val="50000"/>
+                      </a:schemeClr>
+                    </a:solidFill>
+                    <a:latin typeface="Chalkduster" panose="03050602040202020205" pitchFamily="66" charset="77"/>
+                  </a:rPr>
+                  <a:t>Data</a:t>
+                </a:r>
+              </a:p>
+              <a:p>
+                <a:pPr algn="ctr"/>
+                <a:r>
+                  <a:rPr lang="en-US" dirty="0">
+                    <a:solidFill>
+                      <a:schemeClr val="tx1">
+                        <a:lumMod val="50000"/>
+                        <a:lumOff val="50000"/>
+                      </a:schemeClr>
+                    </a:solidFill>
+                    <a:latin typeface="Chalkduster" panose="03050602040202020205" pitchFamily="66" charset="77"/>
+                  </a:rPr>
+                  <a:t>Node</a:t>
+                </a:r>
+              </a:p>
+            </p:txBody>
+          </p:sp>
+        </p:grpSp>
+        <p:grpSp>
+          <p:nvGrpSpPr>
+            <p:cNvPr id="6" name="Group 5">
+              <a:extLst>
+                <a:ext uri="{FF2B5EF4-FFF2-40B4-BE49-F238E27FC236}">
+                  <a16:creationId xmlns:a16="http://schemas.microsoft.com/office/drawing/2014/main" id="{A8208DFC-5E07-564E-98D4-25353EA85329}"/>
+                </a:ext>
+              </a:extLst>
+            </p:cNvPr>
+            <p:cNvGrpSpPr/>
+            <p:nvPr/>
+          </p:nvGrpSpPr>
+          <p:grpSpPr>
+            <a:xfrm>
+              <a:off x="4905910" y="2205519"/>
+              <a:ext cx="2993204" cy="1265434"/>
+              <a:chOff x="3490644" y="2443536"/>
+              <a:chExt cx="2993204" cy="1265434"/>
+            </a:xfrm>
+          </p:grpSpPr>
+          <p:sp>
+            <p:nvSpPr>
+              <p:cNvPr id="7" name="Oval 6">
+                <a:extLst>
+                  <a:ext uri="{FF2B5EF4-FFF2-40B4-BE49-F238E27FC236}">
+                    <a16:creationId xmlns:a16="http://schemas.microsoft.com/office/drawing/2014/main" id="{732D8868-56C7-DD42-A408-CF8029481655}"/>
+                  </a:ext>
+                </a:extLst>
+              </p:cNvPr>
+              <p:cNvSpPr/>
+              <p:nvPr/>
+            </p:nvSpPr>
+            <p:spPr>
+              <a:xfrm>
+                <a:off x="4241513" y="2443536"/>
+                <a:ext cx="1491466" cy="1265434"/>
+              </a:xfrm>
+              <a:prstGeom prst="ellipse">
+                <a:avLst/>
+              </a:prstGeom>
+              <a:solidFill>
+                <a:schemeClr val="accent6">
+                  <a:lumMod val="20000"/>
+                  <a:lumOff val="80000"/>
+                </a:schemeClr>
+              </a:solidFill>
+              <a:ln>
+                <a:solidFill>
+                  <a:schemeClr val="bg1"/>
+                </a:solidFill>
+              </a:ln>
+            </p:spPr>
+            <p:style>
+              <a:lnRef idx="2">
+                <a:schemeClr val="accent1">
+                  <a:shade val="50000"/>
+                </a:schemeClr>
+              </a:lnRef>
+              <a:fillRef idx="1">
+                <a:schemeClr val="accent1"/>
+              </a:fillRef>
+              <a:effectRef idx="0">
+                <a:schemeClr val="accent1"/>
+              </a:effectRef>
+              <a:fontRef idx="minor">
+                <a:schemeClr val="lt1"/>
+              </a:fontRef>
+            </p:style>
+            <p:txBody>
+              <a:bodyPr rtlCol="0" anchor="ctr"/>
+              <a:lstStyle/>
+              <a:p>
+                <a:pPr algn="ctr"/>
+                <a:endParaRPr lang="en-US" sz="1200" dirty="0">
+                  <a:solidFill>
+                    <a:schemeClr val="tx1">
+                      <a:lumMod val="50000"/>
+                      <a:lumOff val="50000"/>
+                    </a:schemeClr>
+                  </a:solidFill>
+                  <a:latin typeface="Chalkduster" panose="03050602040202020205" pitchFamily="66" charset="77"/>
+                </a:endParaRPr>
+              </a:p>
+            </p:txBody>
+          </p:sp>
+          <p:sp>
+            <p:nvSpPr>
+              <p:cNvPr id="8" name="Rectangle 7">
+                <a:extLst>
+                  <a:ext uri="{FF2B5EF4-FFF2-40B4-BE49-F238E27FC236}">
+                    <a16:creationId xmlns:a16="http://schemas.microsoft.com/office/drawing/2014/main" id="{661138BA-9D80-4045-8875-E0FC605E5B2B}"/>
+                  </a:ext>
+                </a:extLst>
+              </p:cNvPr>
+              <p:cNvSpPr/>
+              <p:nvPr/>
+            </p:nvSpPr>
+            <p:spPr>
+              <a:xfrm>
+                <a:off x="3490644" y="2753088"/>
+                <a:ext cx="2993204" cy="646331"/>
+              </a:xfrm>
+              <a:prstGeom prst="rect">
+                <a:avLst/>
+              </a:prstGeom>
+            </p:spPr>
+            <p:txBody>
+              <a:bodyPr wrap="square">
+                <a:spAutoFit/>
+              </a:bodyPr>
+              <a:lstStyle/>
+              <a:p>
+                <a:pPr algn="ctr"/>
+                <a:r>
+                  <a:rPr lang="en-US" dirty="0">
+                    <a:solidFill>
+                      <a:schemeClr val="tx1">
+                        <a:lumMod val="50000"/>
+                        <a:lumOff val="50000"/>
+                      </a:schemeClr>
+                    </a:solidFill>
+                    <a:latin typeface="Chalkduster" panose="03050602040202020205" pitchFamily="66" charset="77"/>
+                  </a:rPr>
+                  <a:t>Data</a:t>
+                </a:r>
+              </a:p>
+              <a:p>
+                <a:pPr algn="ctr"/>
+                <a:r>
+                  <a:rPr lang="en-US" dirty="0">
+                    <a:solidFill>
+                      <a:schemeClr val="tx1">
+                        <a:lumMod val="50000"/>
+                        <a:lumOff val="50000"/>
+                      </a:schemeClr>
+                    </a:solidFill>
+                    <a:latin typeface="Chalkduster" panose="03050602040202020205" pitchFamily="66" charset="77"/>
+                  </a:rPr>
+                  <a:t>Node</a:t>
+                </a:r>
+              </a:p>
+            </p:txBody>
+          </p:sp>
+        </p:grpSp>
+        <p:cxnSp>
+          <p:nvCxnSpPr>
+            <p:cNvPr id="15" name="Straight Connector 14">
+              <a:extLst>
+                <a:ext uri="{FF2B5EF4-FFF2-40B4-BE49-F238E27FC236}">
+                  <a16:creationId xmlns:a16="http://schemas.microsoft.com/office/drawing/2014/main" id="{39183009-C765-2849-939E-E46ED9F25DF6}"/>
+                </a:ext>
+              </a:extLst>
+            </p:cNvPr>
+            <p:cNvCxnSpPr>
+              <a:cxnSpLocks/>
+              <a:stCxn id="2" idx="3"/>
+              <a:endCxn id="3" idx="0"/>
+            </p:cNvCxnSpPr>
+            <p:nvPr/>
+          </p:nvCxnSpPr>
+          <p:spPr>
+            <a:xfrm flipH="1">
+              <a:off x="4472682" y="2065914"/>
+              <a:ext cx="225258" cy="274881"/>
+            </a:xfrm>
+            <a:prstGeom prst="line">
+              <a:avLst/>
+            </a:prstGeom>
+            <a:ln>
+              <a:solidFill>
+                <a:schemeClr val="accent6">
+                  <a:lumMod val="60000"/>
+                  <a:lumOff val="40000"/>
+                </a:schemeClr>
+              </a:solidFill>
+            </a:ln>
+          </p:spPr>
+          <p:style>
+            <a:lnRef idx="1">
+              <a:schemeClr val="accent1"/>
+            </a:lnRef>
+            <a:fillRef idx="0">
+              <a:schemeClr val="accent1"/>
+            </a:fillRef>
+            <a:effectRef idx="0">
+              <a:schemeClr val="accent1"/>
+            </a:effectRef>
+            <a:fontRef idx="minor">
+              <a:schemeClr val="tx1"/>
+            </a:fontRef>
+          </p:style>
+        </p:cxnSp>
+        <p:cxnSp>
+          <p:nvCxnSpPr>
+            <p:cNvPr id="16" name="Straight Connector 15">
+              <a:extLst>
+                <a:ext uri="{FF2B5EF4-FFF2-40B4-BE49-F238E27FC236}">
+                  <a16:creationId xmlns:a16="http://schemas.microsoft.com/office/drawing/2014/main" id="{F5A9EAEE-8DF5-F84C-9468-DAAFCAAC692F}"/>
+                </a:ext>
+              </a:extLst>
+            </p:cNvPr>
+            <p:cNvCxnSpPr>
+              <a:cxnSpLocks/>
+              <a:stCxn id="7" idx="1"/>
+              <a:endCxn id="2" idx="5"/>
+            </p:cNvCxnSpPr>
+            <p:nvPr/>
+          </p:nvCxnSpPr>
+          <p:spPr>
+            <a:xfrm flipH="1" flipV="1">
+              <a:off x="5591525" y="2065914"/>
+              <a:ext cx="283674" cy="324924"/>
+            </a:xfrm>
+            <a:prstGeom prst="line">
+              <a:avLst/>
+            </a:prstGeom>
+            <a:ln>
+              <a:solidFill>
+                <a:schemeClr val="accent6">
+                  <a:lumMod val="60000"/>
+                  <a:lumOff val="40000"/>
+                </a:schemeClr>
+              </a:solidFill>
+            </a:ln>
+          </p:spPr>
+          <p:style>
+            <a:lnRef idx="1">
+              <a:schemeClr val="accent1"/>
+            </a:lnRef>
+            <a:fillRef idx="0">
+              <a:schemeClr val="accent1"/>
+            </a:fillRef>
+            <a:effectRef idx="0">
+              <a:schemeClr val="accent1"/>
+            </a:effectRef>
+            <a:fontRef idx="minor">
+              <a:schemeClr val="tx1"/>
+            </a:fontRef>
+          </p:style>
+        </p:cxnSp>
+        <p:grpSp>
+          <p:nvGrpSpPr>
+            <p:cNvPr id="31" name="Group 30">
+              <a:extLst>
+                <a:ext uri="{FF2B5EF4-FFF2-40B4-BE49-F238E27FC236}">
+                  <a16:creationId xmlns:a16="http://schemas.microsoft.com/office/drawing/2014/main" id="{48668F15-6C38-1648-9218-55132A8364DC}"/>
+                </a:ext>
+              </a:extLst>
+            </p:cNvPr>
+            <p:cNvGrpSpPr/>
+            <p:nvPr/>
+          </p:nvGrpSpPr>
+          <p:grpSpPr>
+            <a:xfrm>
+              <a:off x="2283474" y="1568786"/>
+              <a:ext cx="1823138" cy="659590"/>
+              <a:chOff x="2283474" y="1568786"/>
+              <a:chExt cx="1823138" cy="659590"/>
+            </a:xfrm>
+          </p:grpSpPr>
+          <p:sp>
+            <p:nvSpPr>
+              <p:cNvPr id="12" name="Rectangle 11">
+                <a:extLst>
+                  <a:ext uri="{FF2B5EF4-FFF2-40B4-BE49-F238E27FC236}">
+                    <a16:creationId xmlns:a16="http://schemas.microsoft.com/office/drawing/2014/main" id="{69463997-A236-D64B-BF36-C68FD846C0FD}"/>
+                  </a:ext>
+                </a:extLst>
+              </p:cNvPr>
+              <p:cNvSpPr/>
+              <p:nvPr/>
+            </p:nvSpPr>
+            <p:spPr>
+              <a:xfrm>
+                <a:off x="2283474" y="1568786"/>
+                <a:ext cx="914400" cy="659590"/>
+              </a:xfrm>
+              <a:prstGeom prst="rect">
+                <a:avLst/>
+              </a:prstGeom>
+              <a:solidFill>
+                <a:schemeClr val="accent6"/>
+              </a:solidFill>
+              <a:ln>
+                <a:solidFill>
+                  <a:schemeClr val="accent6">
+                    <a:lumMod val="60000"/>
+                    <a:lumOff val="40000"/>
+                  </a:schemeClr>
+                </a:solidFill>
+              </a:ln>
+            </p:spPr>
+            <p:style>
+              <a:lnRef idx="2">
+                <a:schemeClr val="accent1">
+                  <a:shade val="50000"/>
+                </a:schemeClr>
+              </a:lnRef>
+              <a:fillRef idx="1">
+                <a:schemeClr val="accent1"/>
+              </a:fillRef>
+              <a:effectRef idx="0">
+                <a:schemeClr val="accent1"/>
+              </a:effectRef>
+              <a:fontRef idx="minor">
+                <a:schemeClr val="lt1"/>
+              </a:fontRef>
+            </p:style>
+            <p:txBody>
+              <a:bodyPr rtlCol="0" anchor="ctr"/>
+              <a:lstStyle/>
+              <a:p>
+                <a:pPr algn="ctr"/>
+                <a:r>
+                  <a:rPr lang="en-US" sz="1200" dirty="0">
+                    <a:latin typeface="Chalkduster" panose="03050602040202020205" pitchFamily="66" charset="77"/>
+                  </a:rPr>
+                  <a:t>Client</a:t>
+                </a:r>
+              </a:p>
+            </p:txBody>
+          </p:sp>
+          <p:cxnSp>
+            <p:nvCxnSpPr>
+              <p:cNvPr id="24" name="Straight Connector 23">
+                <a:extLst>
+                  <a:ext uri="{FF2B5EF4-FFF2-40B4-BE49-F238E27FC236}">
+                    <a16:creationId xmlns:a16="http://schemas.microsoft.com/office/drawing/2014/main" id="{898DEBEB-657A-AF4E-A720-EE1FB5C7AFDD}"/>
+                  </a:ext>
+                </a:extLst>
+              </p:cNvPr>
+              <p:cNvCxnSpPr>
+                <a:cxnSpLocks/>
+                <a:stCxn id="12" idx="3"/>
+              </p:cNvCxnSpPr>
+              <p:nvPr/>
+            </p:nvCxnSpPr>
+            <p:spPr>
+              <a:xfrm>
+                <a:off x="3197874" y="1898581"/>
+                <a:ext cx="908738" cy="20498"/>
+              </a:xfrm>
+              <a:prstGeom prst="line">
+                <a:avLst/>
+              </a:prstGeom>
+              <a:ln>
+                <a:solidFill>
+                  <a:schemeClr val="accent6"/>
+                </a:solidFill>
+              </a:ln>
+            </p:spPr>
+            <p:style>
+              <a:lnRef idx="1">
+                <a:schemeClr val="accent1"/>
+              </a:lnRef>
+              <a:fillRef idx="0">
+                <a:schemeClr val="accent1"/>
+              </a:fillRef>
+              <a:effectRef idx="0">
+                <a:schemeClr val="accent1"/>
+              </a:effectRef>
+              <a:fontRef idx="minor">
+                <a:schemeClr val="tx1"/>
+              </a:fontRef>
+            </p:style>
+          </p:cxnSp>
+        </p:grpSp>
+      </p:grpSp>
+    </p:spTree>
+    <p:extLst>
+      <p:ext uri="{BB962C8B-B14F-4D97-AF65-F5344CB8AC3E}">
+        <p14:creationId xmlns:p14="http://schemas.microsoft.com/office/powerpoint/2010/main" val="1946513964"/>
+      </p:ext>
+    </p:extLst>
+  </p:cSld>
+  <p:clrMapOvr>
+    <a:masterClrMapping/>
+  </p:clrMapOvr>
+</p:sld>
+</file>
+
 <file path=ppt/theme/theme1.xml><?xml version="1.0" encoding="utf-8"?>
 <a:theme xmlns:a="http://schemas.openxmlformats.org/drawingml/2006/main" name="Office Theme">
   <a:themeElements>

--- a/docs/khem-diagrams.pptx
+++ b/docs/khem-diagrams.pptx
@@ -3825,6 +3825,53 @@
           <a:chExt cx="0" cy="0"/>
         </a:xfrm>
       </p:grpSpPr>
+      <p:cxnSp>
+        <p:nvCxnSpPr>
+          <p:cNvPr id="34" name="Straight Connector 33">
+            <a:extLst>
+              <a:ext uri="{FF2B5EF4-FFF2-40B4-BE49-F238E27FC236}">
+                <a16:creationId xmlns:a16="http://schemas.microsoft.com/office/drawing/2014/main" id="{B56E99BD-7372-314B-AA3D-15D5CD8A973E}"/>
+              </a:ext>
+            </a:extLst>
+          </p:cNvPr>
+          <p:cNvCxnSpPr>
+            <a:cxnSpLocks/>
+            <a:endCxn id="3" idx="6"/>
+          </p:cNvCxnSpPr>
+          <p:nvPr/>
+        </p:nvCxnSpPr>
+        <p:spPr>
+          <a:xfrm flipH="1">
+            <a:off x="5218415" y="2973512"/>
+            <a:ext cx="517130" cy="0"/>
+          </a:xfrm>
+          <a:prstGeom prst="line">
+            <a:avLst/>
+          </a:prstGeom>
+          <a:ln>
+            <a:solidFill>
+              <a:schemeClr val="accent6">
+                <a:lumMod val="60000"/>
+                <a:lumOff val="40000"/>
+              </a:schemeClr>
+            </a:solidFill>
+          </a:ln>
+        </p:spPr>
+        <p:style>
+          <a:lnRef idx="1">
+            <a:schemeClr val="accent1"/>
+          </a:lnRef>
+          <a:fillRef idx="0">
+            <a:schemeClr val="accent1"/>
+          </a:fillRef>
+          <a:effectRef idx="0">
+            <a:schemeClr val="accent1"/>
+          </a:effectRef>
+          <a:fontRef idx="minor">
+            <a:schemeClr val="tx1"/>
+          </a:fontRef>
+        </p:style>
+      </p:cxnSp>
       <p:grpSp>
         <p:nvGrpSpPr>
           <p:cNvPr id="33" name="Group 32">
